--- a/4-June-2022/slide.pptx
+++ b/4-June-2022/slide.pptx
@@ -133,7 +133,7 @@
 <file path=ppt/revisionInfo.xml><?xml version="1.0" encoding="utf-8"?>
 <p1510:revInfo xmlns:a="http://schemas.openxmlformats.org/drawingml/2006/main" xmlns:r="http://schemas.openxmlformats.org/officeDocument/2006/relationships" xmlns:p1510="http://schemas.microsoft.com/office/powerpoint/2015/10/main">
   <p1510:revLst>
-    <p1510:client id="{69A27DD2-CF50-4392-811B-8EDBDAE35351}" v="79" dt="2022-06-04T15:35:49.559"/>
+    <p1510:client id="{69A27DD2-CF50-4392-811B-8EDBDAE35351}" v="84" dt="2022-06-04T16:35:44.275"/>
   </p1510:revLst>
 </p1510:revInfo>
 </file>
@@ -143,18 +143,18 @@
   <pc:docChgLst>
     <pc:chgData name="DULAPAH VIBULSANTI" userId="678975e6-1718-40a4-bf8a-9db0f50b2dad" providerId="ADAL" clId="{69A27DD2-CF50-4392-811B-8EDBDAE35351}"/>
     <pc:docChg chg="undo redo custSel addSld delSld modSld modMainMaster">
-      <pc:chgData name="DULAPAH VIBULSANTI" userId="678975e6-1718-40a4-bf8a-9db0f50b2dad" providerId="ADAL" clId="{69A27DD2-CF50-4392-811B-8EDBDAE35351}" dt="2022-06-04T15:35:49.559" v="1660"/>
+      <pc:chgData name="DULAPAH VIBULSANTI" userId="678975e6-1718-40a4-bf8a-9db0f50b2dad" providerId="ADAL" clId="{69A27DD2-CF50-4392-811B-8EDBDAE35351}" dt="2022-06-04T16:36:31.547" v="1694" actId="20577"/>
       <pc:docMkLst>
         <pc:docMk/>
       </pc:docMkLst>
       <pc:sldChg chg="addSp delSp modSp mod">
-        <pc:chgData name="DULAPAH VIBULSANTI" userId="678975e6-1718-40a4-bf8a-9db0f50b2dad" providerId="ADAL" clId="{69A27DD2-CF50-4392-811B-8EDBDAE35351}" dt="2022-06-04T15:35:00.985" v="1628" actId="1076"/>
+        <pc:chgData name="DULAPAH VIBULSANTI" userId="678975e6-1718-40a4-bf8a-9db0f50b2dad" providerId="ADAL" clId="{69A27DD2-CF50-4392-811B-8EDBDAE35351}" dt="2022-06-04T16:36:31.547" v="1694" actId="20577"/>
         <pc:sldMkLst>
           <pc:docMk/>
           <pc:sldMk cId="1192243114" sldId="256"/>
         </pc:sldMkLst>
         <pc:spChg chg="mod">
-          <ac:chgData name="DULAPAH VIBULSANTI" userId="678975e6-1718-40a4-bf8a-9db0f50b2dad" providerId="ADAL" clId="{69A27DD2-CF50-4392-811B-8EDBDAE35351}" dt="2022-06-04T15:16:33.763" v="860" actId="20577"/>
+          <ac:chgData name="DULAPAH VIBULSANTI" userId="678975e6-1718-40a4-bf8a-9db0f50b2dad" providerId="ADAL" clId="{69A27DD2-CF50-4392-811B-8EDBDAE35351}" dt="2022-06-04T16:36:31.547" v="1694" actId="20577"/>
           <ac:spMkLst>
             <pc:docMk/>
             <pc:sldMk cId="1192243114" sldId="256"/>
@@ -179,7 +179,7 @@
         </pc:picChg>
       </pc:sldChg>
       <pc:sldChg chg="addSp delSp modSp new mod setBg">
-        <pc:chgData name="DULAPAH VIBULSANTI" userId="678975e6-1718-40a4-bf8a-9db0f50b2dad" providerId="ADAL" clId="{69A27DD2-CF50-4392-811B-8EDBDAE35351}" dt="2022-06-04T15:35:44.193" v="1654" actId="1076"/>
+        <pc:chgData name="DULAPAH VIBULSANTI" userId="678975e6-1718-40a4-bf8a-9db0f50b2dad" providerId="ADAL" clId="{69A27DD2-CF50-4392-811B-8EDBDAE35351}" dt="2022-06-04T16:36:15.359" v="1681" actId="14861"/>
         <pc:sldMkLst>
           <pc:docMk/>
           <pc:sldMk cId="2911278767" sldId="257"/>
@@ -241,6 +241,14 @@
           </ac:spMkLst>
         </pc:spChg>
         <pc:picChg chg="add mod">
+          <ac:chgData name="DULAPAH VIBULSANTI" userId="678975e6-1718-40a4-bf8a-9db0f50b2dad" providerId="ADAL" clId="{69A27DD2-CF50-4392-811B-8EDBDAE35351}" dt="2022-06-04T16:36:15.359" v="1681" actId="14861"/>
+          <ac:picMkLst>
+            <pc:docMk/>
+            <pc:sldMk cId="2911278767" sldId="257"/>
+            <ac:picMk id="4" creationId="{FEB15F58-D390-B54D-5046-D735FD6AB6CD}"/>
+          </ac:picMkLst>
+        </pc:picChg>
+        <pc:picChg chg="add mod">
           <ac:chgData name="DULAPAH VIBULSANTI" userId="678975e6-1718-40a4-bf8a-9db0f50b2dad" providerId="ADAL" clId="{69A27DD2-CF50-4392-811B-8EDBDAE35351}" dt="2022-06-04T15:00:57.971" v="574" actId="1076"/>
           <ac:picMkLst>
             <pc:docMk/>
@@ -264,8 +272,8 @@
             <ac:picMk id="11" creationId="{134A614D-A749-2F6B-9130-9EB4097DE478}"/>
           </ac:picMkLst>
         </pc:picChg>
-        <pc:picChg chg="add mod">
-          <ac:chgData name="DULAPAH VIBULSANTI" userId="678975e6-1718-40a4-bf8a-9db0f50b2dad" providerId="ADAL" clId="{69A27DD2-CF50-4392-811B-8EDBDAE35351}" dt="2022-06-04T14:56:18.800" v="439" actId="1076"/>
+        <pc:picChg chg="add del mod">
+          <ac:chgData name="DULAPAH VIBULSANTI" userId="678975e6-1718-40a4-bf8a-9db0f50b2dad" providerId="ADAL" clId="{69A27DD2-CF50-4392-811B-8EDBDAE35351}" dt="2022-06-04T16:35:30.710" v="1667" actId="478"/>
           <ac:picMkLst>
             <pc:docMk/>
             <pc:sldMk cId="2911278767" sldId="257"/>
@@ -289,7 +297,7 @@
         </pc:sldMkLst>
       </pc:sldChg>
       <pc:sldChg chg="addSp delSp modSp add mod setBg">
-        <pc:chgData name="DULAPAH VIBULSANTI" userId="678975e6-1718-40a4-bf8a-9db0f50b2dad" providerId="ADAL" clId="{69A27DD2-CF50-4392-811B-8EDBDAE35351}" dt="2022-06-04T15:35:45.842" v="1655"/>
+        <pc:chgData name="DULAPAH VIBULSANTI" userId="678975e6-1718-40a4-bf8a-9db0f50b2dad" providerId="ADAL" clId="{69A27DD2-CF50-4392-811B-8EDBDAE35351}" dt="2022-06-04T16:35:22.711" v="1666" actId="404"/>
         <pc:sldMkLst>
           <pc:docMk/>
           <pc:sldMk cId="2483753562" sldId="258"/>
@@ -327,7 +335,7 @@
           </ac:spMkLst>
         </pc:spChg>
         <pc:spChg chg="mod ord">
-          <ac:chgData name="DULAPAH VIBULSANTI" userId="678975e6-1718-40a4-bf8a-9db0f50b2dad" providerId="ADAL" clId="{69A27DD2-CF50-4392-811B-8EDBDAE35351}" dt="2022-06-04T15:11:28.233" v="826" actId="20577"/>
+          <ac:chgData name="DULAPAH VIBULSANTI" userId="678975e6-1718-40a4-bf8a-9db0f50b2dad" providerId="ADAL" clId="{69A27DD2-CF50-4392-811B-8EDBDAE35351}" dt="2022-06-04T16:35:22.711" v="1666" actId="404"/>
           <ac:spMkLst>
             <pc:docMk/>
             <pc:sldMk cId="2483753562" sldId="258"/>
@@ -407,7 +415,7 @@
           </ac:picMkLst>
         </pc:picChg>
         <pc:picChg chg="add mod ord">
-          <ac:chgData name="DULAPAH VIBULSANTI" userId="678975e6-1718-40a4-bf8a-9db0f50b2dad" providerId="ADAL" clId="{69A27DD2-CF50-4392-811B-8EDBDAE35351}" dt="2022-06-04T15:11:26.479" v="824" actId="1076"/>
+          <ac:chgData name="DULAPAH VIBULSANTI" userId="678975e6-1718-40a4-bf8a-9db0f50b2dad" providerId="ADAL" clId="{69A27DD2-CF50-4392-811B-8EDBDAE35351}" dt="2022-06-04T16:35:12.688" v="1662" actId="14861"/>
           <ac:picMkLst>
             <pc:docMk/>
             <pc:sldMk cId="2483753562" sldId="258"/>
@@ -3891,7 +3899,7 @@
         </p:spPr>
         <p:txBody>
           <a:bodyPr>
-            <a:normAutofit/>
+            <a:normAutofit fontScale="90000"/>
           </a:bodyPr>
           <a:lstStyle/>
           <a:p>
@@ -3914,7 +3922,49 @@
                 <a:latin typeface="Thai Sans Lite" panose="02000000000000000000" pitchFamily="2" charset="-34"/>
                 <a:cs typeface="Thai Sans Lite" panose="02000000000000000000" pitchFamily="2" charset="-34"/>
               </a:rPr>
-              <a:t>การเขียนโปรแกรมเพื่อหาผลรวมของจำนวนนับ </a:t>
+              <a:t>การเขียนโปรแกรม</a:t>
+            </a:r>
+            <a:r>
+              <a:rPr lang="en-US" b="1" dirty="0">
+                <a:gradFill flip="none" rotWithShape="1">
+                  <a:gsLst>
+                    <a:gs pos="0">
+                      <a:srgbClr val="FAB3FF"/>
+                    </a:gs>
+                    <a:gs pos="100000">
+                      <a:srgbClr val="1FCEED"/>
+                    </a:gs>
+                  </a:gsLst>
+                  <a:path path="circle">
+                    <a:fillToRect t="100000" r="100000"/>
+                  </a:path>
+                  <a:tileRect l="-100000" b="-100000"/>
+                </a:gradFill>
+                <a:latin typeface="Thai Sans Lite" panose="02000000000000000000" pitchFamily="2" charset="-34"/>
+                <a:cs typeface="Thai Sans Lite" panose="02000000000000000000" pitchFamily="2" charset="-34"/>
+              </a:rPr>
+              <a:t> Python </a:t>
+            </a:r>
+            <a:r>
+              <a:rPr lang="th-TH" b="1" dirty="0">
+                <a:gradFill flip="none" rotWithShape="1">
+                  <a:gsLst>
+                    <a:gs pos="0">
+                      <a:srgbClr val="FAB3FF"/>
+                    </a:gs>
+                    <a:gs pos="100000">
+                      <a:srgbClr val="1FCEED"/>
+                    </a:gs>
+                  </a:gsLst>
+                  <a:path path="circle">
+                    <a:fillToRect t="100000" r="100000"/>
+                  </a:path>
+                  <a:tileRect l="-100000" b="-100000"/>
+                </a:gradFill>
+                <a:latin typeface="Thai Sans Lite" panose="02000000000000000000" pitchFamily="2" charset="-34"/>
+                <a:cs typeface="Thai Sans Lite" panose="02000000000000000000" pitchFamily="2" charset="-34"/>
+              </a:rPr>
+              <a:t>เพื่อหาผลรวมของจำนวนนับ </a:t>
             </a:r>
             <a:r>
               <a:rPr lang="en-US" b="1" dirty="0">
@@ -4156,45 +4206,6 @@
       </p:pic>
       <p:pic>
         <p:nvPicPr>
-          <p:cNvPr id="13" name="Picture 12" descr="A screenshot of a computer&#10;&#10;Description automatically generated with medium confidence">
-            <a:extLst>
-              <a:ext uri="{FF2B5EF4-FFF2-40B4-BE49-F238E27FC236}">
-                <a16:creationId xmlns:a16="http://schemas.microsoft.com/office/drawing/2014/main" id="{E658B193-1953-2329-1C91-4C743B189757}"/>
-              </a:ext>
-            </a:extLst>
-          </p:cNvPr>
-          <p:cNvPicPr>
-            <a:picLocks noChangeAspect="1"/>
-          </p:cNvPicPr>
-          <p:nvPr/>
-        </p:nvPicPr>
-        <p:blipFill>
-          <a:blip r:embed="rId3">
-            <a:extLst>
-              <a:ext uri="{28A0092B-C50C-407E-A947-70E740481C1C}">
-                <a14:useLocalDpi xmlns:a14="http://schemas.microsoft.com/office/drawing/2010/main" val="0"/>
-              </a:ext>
-            </a:extLst>
-          </a:blip>
-          <a:stretch>
-            <a:fillRect/>
-          </a:stretch>
-        </p:blipFill>
-        <p:spPr>
-          <a:xfrm>
-            <a:off x="4944283" y="4365590"/>
-            <a:ext cx="3737629" cy="2244725"/>
-          </a:xfrm>
-          <a:prstGeom prst="rect">
-            <a:avLst/>
-          </a:prstGeom>
-          <a:effectLst>
-            <a:softEdge rad="254000"/>
-          </a:effectLst>
-        </p:spPr>
-      </p:pic>
-      <p:pic>
-        <p:nvPicPr>
           <p:cNvPr id="15" name="Picture 14" descr="A screenshot of a computer&#10;&#10;Description automatically generated with medium confidence">
             <a:extLst>
               <a:ext uri="{FF2B5EF4-FFF2-40B4-BE49-F238E27FC236}">
@@ -4792,6 +4803,45 @@
           </a:p>
         </p:txBody>
       </p:sp>
+      <p:pic>
+        <p:nvPicPr>
+          <p:cNvPr id="4" name="Picture 3" descr="Text&#10;&#10;Description automatically generated">
+            <a:extLst>
+              <a:ext uri="{FF2B5EF4-FFF2-40B4-BE49-F238E27FC236}">
+                <a16:creationId xmlns:a16="http://schemas.microsoft.com/office/drawing/2014/main" id="{FEB15F58-D390-B54D-5046-D735FD6AB6CD}"/>
+              </a:ext>
+            </a:extLst>
+          </p:cNvPr>
+          <p:cNvPicPr>
+            <a:picLocks noChangeAspect="1"/>
+          </p:cNvPicPr>
+          <p:nvPr/>
+        </p:nvPicPr>
+        <p:blipFill>
+          <a:blip r:embed="rId5">
+            <a:extLst>
+              <a:ext uri="{28A0092B-C50C-407E-A947-70E740481C1C}">
+                <a14:useLocalDpi xmlns:a14="http://schemas.microsoft.com/office/drawing/2010/main" val="0"/>
+              </a:ext>
+            </a:extLst>
+          </a:blip>
+          <a:stretch>
+            <a:fillRect/>
+          </a:stretch>
+        </p:blipFill>
+        <p:spPr>
+          <a:xfrm>
+            <a:off x="4749984" y="4567668"/>
+            <a:ext cx="4125315" cy="2397537"/>
+          </a:xfrm>
+          <a:prstGeom prst="rect">
+            <a:avLst/>
+          </a:prstGeom>
+          <a:effectLst>
+            <a:softEdge rad="254000"/>
+          </a:effectLst>
+        </p:spPr>
+      </p:pic>
     </p:spTree>
     <p:extLst>
       <p:ext uri="{BB962C8B-B14F-4D97-AF65-F5344CB8AC3E}">
@@ -4981,6 +5031,9 @@
           <a:prstGeom prst="rect">
             <a:avLst/>
           </a:prstGeom>
+          <a:effectLst>
+            <a:softEdge rad="254000"/>
+          </a:effectLst>
         </p:spPr>
       </p:pic>
       <p:sp>
@@ -5129,7 +5182,7 @@
                     <m:f>
                       <m:fPr>
                         <m:ctrlPr>
-                          <a:rPr lang="th-TH" smtClean="0">
+                          <a:rPr lang="th-TH" sz="3200" i="1" smtClean="0">
                             <a:solidFill>
                               <a:schemeClr val="bg1"/>
                             </a:solidFill>
@@ -5142,11 +5195,10 @@
                           <m:rPr>
                             <m:nor/>
                           </m:rPr>
-                          <a:rPr lang="en-US" b="0" i="0" smtClean="0">
+                          <a:rPr lang="en-US" sz="3200" b="0" i="0" smtClean="0">
                             <a:solidFill>
                               <a:schemeClr val="bg1"/>
                             </a:solidFill>
-                            <a:latin typeface="Thai Sans Lite" panose="02000000000000000000" pitchFamily="2" charset="-34"/>
                             <a:cs typeface="Thai Sans Lite" panose="02000000000000000000" pitchFamily="2" charset="-34"/>
                           </a:rPr>
                           <m:t>n</m:t>
@@ -5155,11 +5207,10 @@
                           <m:rPr>
                             <m:nor/>
                           </m:rPr>
-                          <a:rPr lang="en-US" b="0" i="0" smtClean="0">
+                          <a:rPr lang="en-US" sz="3200" b="0" i="0" smtClean="0">
                             <a:solidFill>
                               <a:schemeClr val="bg1"/>
                             </a:solidFill>
-                            <a:latin typeface="Thai Sans Lite" panose="02000000000000000000" pitchFamily="2" charset="-34"/>
                             <a:cs typeface="Thai Sans Lite" panose="02000000000000000000" pitchFamily="2" charset="-34"/>
                           </a:rPr>
                           <m:t>(</m:t>
@@ -5168,11 +5219,10 @@
                           <m:rPr>
                             <m:nor/>
                           </m:rPr>
-                          <a:rPr lang="en-US" b="0" i="0" smtClean="0">
+                          <a:rPr lang="en-US" sz="3200" b="0" i="0" smtClean="0">
                             <a:solidFill>
                               <a:schemeClr val="bg1"/>
                             </a:solidFill>
-                            <a:latin typeface="Thai Sans Lite" panose="02000000000000000000" pitchFamily="2" charset="-34"/>
                             <a:cs typeface="Thai Sans Lite" panose="02000000000000000000" pitchFamily="2" charset="-34"/>
                           </a:rPr>
                           <m:t>n</m:t>
@@ -5181,24 +5231,22 @@
                           <m:rPr>
                             <m:nor/>
                           </m:rPr>
-                          <a:rPr lang="en-US" b="0" i="0" smtClean="0">
+                          <a:rPr lang="en-US" sz="3200" b="0" i="0" smtClean="0">
                             <a:solidFill>
                               <a:schemeClr val="bg1"/>
                             </a:solidFill>
-                            <a:latin typeface="Thai Sans Lite" panose="02000000000000000000" pitchFamily="2" charset="-34"/>
                             <a:cs typeface="Thai Sans Lite" panose="02000000000000000000" pitchFamily="2" charset="-34"/>
                           </a:rPr>
-                          <m:t>-</m:t>
+                          <m:t>−</m:t>
                         </m:r>
                         <m:r>
                           <m:rPr>
                             <m:nor/>
                           </m:rPr>
-                          <a:rPr lang="en-US" b="0" i="0" smtClean="0">
+                          <a:rPr lang="en-US" sz="3200" b="0" i="0" smtClean="0">
                             <a:solidFill>
                               <a:schemeClr val="bg1"/>
                             </a:solidFill>
-                            <a:latin typeface="Thai Sans Lite" panose="02000000000000000000" pitchFamily="2" charset="-34"/>
                             <a:cs typeface="Thai Sans Lite" panose="02000000000000000000" pitchFamily="2" charset="-34"/>
                           </a:rPr>
                           <m:t>1</m:t>
@@ -5207,11 +5255,10 @@
                           <m:rPr>
                             <m:nor/>
                           </m:rPr>
-                          <a:rPr lang="en-US" b="0" i="0" smtClean="0">
+                          <a:rPr lang="en-US" sz="3200" b="0" i="0" smtClean="0">
                             <a:solidFill>
                               <a:schemeClr val="bg1"/>
                             </a:solidFill>
-                            <a:latin typeface="Thai Sans Lite" panose="02000000000000000000" pitchFamily="2" charset="-34"/>
                             <a:cs typeface="Thai Sans Lite" panose="02000000000000000000" pitchFamily="2" charset="-34"/>
                           </a:rPr>
                           <m:t>)</m:t>
@@ -5222,11 +5269,10 @@
                           <m:rPr>
                             <m:nor/>
                           </m:rPr>
-                          <a:rPr lang="en-US" b="0" i="0" smtClean="0">
+                          <a:rPr lang="en-US" sz="3200" b="0" i="0" smtClean="0">
                             <a:solidFill>
                               <a:schemeClr val="bg1"/>
                             </a:solidFill>
-                            <a:latin typeface="Thai Sans Lite" panose="02000000000000000000" pitchFamily="2" charset="-34"/>
                             <a:cs typeface="Thai Sans Lite" panose="02000000000000000000" pitchFamily="2" charset="-34"/>
                           </a:rPr>
                           <m:t>2</m:t>
@@ -5239,7 +5285,6 @@
                   <a:solidFill>
                     <a:schemeClr val="bg1"/>
                   </a:solidFill>
-                  <a:latin typeface="Thai Sans Lite" panose="02000000000000000000" pitchFamily="2" charset="-34"/>
                   <a:cs typeface="Thai Sans Lite" panose="02000000000000000000" pitchFamily="2" charset="-34"/>
                 </a:endParaRPr>
               </a:p>
